--- a/Documentation/Day3Progress.pptx
+++ b/Documentation/Day3Progress.pptx
@@ -9,8 +9,8 @@
   </p:notesMasterIdLst>
   <p:sldIdLst>
     <p:sldId id="256" r:id="rId2"/>
-    <p:sldId id="257" r:id="rId3"/>
-    <p:sldId id="259" r:id="rId4"/>
+    <p:sldId id="259" r:id="rId3"/>
+    <p:sldId id="260" r:id="rId4"/>
   </p:sldIdLst>
   <p:sldSz cx="9144000" cy="5143500" type="screen16x9"/>
   <p:notesSz cx="6858000" cy="9144000"/>
@@ -831,110 +831,6 @@
 </file>
 
 <file path=ppt/notesSlides/notesSlide2.xml><?xml version="1.0" encoding="utf-8"?>
-<p:notes xmlns:a="http://schemas.openxmlformats.org/drawingml/2006/main" xmlns:r="http://schemas.openxmlformats.org/officeDocument/2006/relationships" xmlns:p="http://schemas.openxmlformats.org/presentationml/2006/main" showMasterSp="0" showMasterPhAnim="0">
-  <p:cSld>
-    <p:spTree>
-      <p:nvGrpSpPr>
-        <p:cNvPr id="1" name="Shape 135"/>
-        <p:cNvGrpSpPr/>
-        <p:nvPr/>
-      </p:nvGrpSpPr>
-      <p:grpSpPr>
-        <a:xfrm>
-          <a:off x="0" y="0"/>
-          <a:ext cx="0" cy="0"/>
-          <a:chOff x="0" y="0"/>
-          <a:chExt cx="0" cy="0"/>
-        </a:xfrm>
-      </p:grpSpPr>
-      <p:sp>
-        <p:nvSpPr>
-          <p:cNvPr id="136" name="Google Shape;136;g5f4b6cc65d_0_0:notes"/>
-          <p:cNvSpPr>
-            <a:spLocks noGrp="1" noRot="1" noChangeAspect="1"/>
-          </p:cNvSpPr>
-          <p:nvPr>
-            <p:ph type="sldImg" idx="2"/>
-          </p:nvPr>
-        </p:nvSpPr>
-        <p:spPr>
-          <a:xfrm>
-            <a:off x="381000" y="685800"/>
-            <a:ext cx="6096000" cy="3429000"/>
-          </a:xfrm>
-          <a:custGeom>
-            <a:avLst/>
-            <a:gdLst/>
-            <a:ahLst/>
-            <a:cxnLst/>
-            <a:rect l="l" t="t" r="r" b="b"/>
-            <a:pathLst>
-              <a:path w="120000" h="120000" extrusionOk="0">
-                <a:moveTo>
-                  <a:pt x="0" y="0"/>
-                </a:moveTo>
-                <a:lnTo>
-                  <a:pt x="120000" y="0"/>
-                </a:lnTo>
-                <a:lnTo>
-                  <a:pt x="120000" y="120000"/>
-                </a:lnTo>
-                <a:lnTo>
-                  <a:pt x="0" y="120000"/>
-                </a:lnTo>
-                <a:close/>
-              </a:path>
-            </a:pathLst>
-          </a:custGeom>
-        </p:spPr>
-      </p:sp>
-      <p:sp>
-        <p:nvSpPr>
-          <p:cNvPr id="137" name="Google Shape;137;g5f4b6cc65d_0_0:notes"/>
-          <p:cNvSpPr txBox="1">
-            <a:spLocks noGrp="1"/>
-          </p:cNvSpPr>
-          <p:nvPr>
-            <p:ph type="body" idx="1"/>
-          </p:nvPr>
-        </p:nvSpPr>
-        <p:spPr>
-          <a:xfrm>
-            <a:off x="685800" y="4343400"/>
-            <a:ext cx="5486400" cy="4114800"/>
-          </a:xfrm>
-          <a:prstGeom prst="rect">
-            <a:avLst/>
-          </a:prstGeom>
-        </p:spPr>
-        <p:txBody>
-          <a:bodyPr spcFirstLastPara="1" wrap="square" lIns="91425" tIns="91425" rIns="91425" bIns="91425" anchor="t" anchorCtr="0">
-            <a:noAutofit/>
-          </a:bodyPr>
-          <a:lstStyle/>
-          <a:p>
-            <a:pPr marL="0" lvl="0" indent="0" algn="l" rtl="0">
-              <a:spcBef>
-                <a:spcPts val="0"/>
-              </a:spcBef>
-              <a:spcAft>
-                <a:spcPts val="0"/>
-              </a:spcAft>
-              <a:buNone/>
-            </a:pPr>
-            <a:endParaRPr/>
-          </a:p>
-        </p:txBody>
-      </p:sp>
-    </p:spTree>
-  </p:cSld>
-  <p:clrMapOvr>
-    <a:masterClrMapping/>
-  </p:clrMapOvr>
-</p:notes>
-</file>
-
-<file path=ppt/notesSlides/notesSlide3.xml><?xml version="1.0" encoding="utf-8"?>
 <p:notes xmlns:a="http://schemas.openxmlformats.org/drawingml/2006/main" xmlns:r="http://schemas.openxmlformats.org/officeDocument/2006/relationships" xmlns:p="http://schemas.openxmlformats.org/presentationml/2006/main" showMasterSp="0" showMasterPhAnim="0">
   <p:cSld>
     <p:spTree>
@@ -9296,529 +9192,6 @@
         </p:nvSpPr>
         <p:spPr>
           <a:xfrm>
-            <a:off x="3922925" y="126975"/>
-            <a:ext cx="4064100" cy="474000"/>
-          </a:xfrm>
-          <a:prstGeom prst="rect">
-            <a:avLst/>
-          </a:prstGeom>
-          <a:noFill/>
-          <a:ln>
-            <a:noFill/>
-          </a:ln>
-        </p:spPr>
-        <p:txBody>
-          <a:bodyPr spcFirstLastPara="1" wrap="square" lIns="91425" tIns="91425" rIns="91425" bIns="91425" anchor="t" anchorCtr="0">
-            <a:noAutofit/>
-          </a:bodyPr>
-          <a:lstStyle/>
-          <a:p>
-            <a:pPr marL="0" lvl="0" indent="0" algn="l" rtl="0">
-              <a:spcBef>
-                <a:spcPts val="0"/>
-              </a:spcBef>
-              <a:spcAft>
-                <a:spcPts val="0"/>
-              </a:spcAft>
-              <a:buNone/>
-            </a:pPr>
-            <a:r>
-              <a:rPr lang="en" sz="3000">
-                <a:solidFill>
-                  <a:srgbClr val="FFFFFF"/>
-                </a:solidFill>
-                <a:latin typeface="Spectral"/>
-                <a:ea typeface="Spectral"/>
-                <a:cs typeface="Spectral"/>
-                <a:sym typeface="Spectral"/>
-              </a:rPr>
-              <a:t>Session 1</a:t>
-            </a:r>
-            <a:endParaRPr sz="3000">
-              <a:solidFill>
-                <a:srgbClr val="FFFFFF"/>
-              </a:solidFill>
-              <a:latin typeface="Spectral"/>
-              <a:ea typeface="Spectral"/>
-              <a:cs typeface="Spectral"/>
-              <a:sym typeface="Spectral"/>
-            </a:endParaRPr>
-          </a:p>
-        </p:txBody>
-      </p:sp>
-      <p:sp>
-        <p:nvSpPr>
-          <p:cNvPr id="140" name="Google Shape;140;p14"/>
-          <p:cNvSpPr txBox="1"/>
-          <p:nvPr/>
-        </p:nvSpPr>
-        <p:spPr>
-          <a:xfrm>
-            <a:off x="5538600" y="1086550"/>
-            <a:ext cx="2688300" cy="3880500"/>
-          </a:xfrm>
-          <a:prstGeom prst="rect">
-            <a:avLst/>
-          </a:prstGeom>
-          <a:noFill/>
-          <a:ln w="9525" cap="flat" cmpd="sng">
-            <a:solidFill>
-              <a:srgbClr val="FFFFFF"/>
-            </a:solidFill>
-            <a:prstDash val="solid"/>
-            <a:round/>
-            <a:headEnd type="none" w="sm" len="sm"/>
-            <a:tailEnd type="none" w="sm" len="sm"/>
-          </a:ln>
-        </p:spPr>
-        <p:txBody>
-          <a:bodyPr spcFirstLastPara="1" wrap="square" lIns="91425" tIns="91425" rIns="91425" bIns="91425" anchor="t" anchorCtr="0">
-            <a:noAutofit/>
-          </a:bodyPr>
-          <a:lstStyle/>
-          <a:p>
-            <a:pPr marL="0" lvl="0" indent="0" algn="ctr" rtl="0">
-              <a:spcBef>
-                <a:spcPts val="0"/>
-              </a:spcBef>
-              <a:spcAft>
-                <a:spcPts val="0"/>
-              </a:spcAft>
-              <a:buNone/>
-            </a:pPr>
-            <a:r>
-              <a:rPr lang="en" u="sng">
-                <a:solidFill>
-                  <a:srgbClr val="FFFFFF"/>
-                </a:solidFill>
-                <a:latin typeface="Lato"/>
-                <a:ea typeface="Lato"/>
-                <a:cs typeface="Lato"/>
-                <a:sym typeface="Lato"/>
-              </a:rPr>
-              <a:t>Nathan and Alexis</a:t>
-            </a:r>
-            <a:endParaRPr u="sng">
-              <a:solidFill>
-                <a:srgbClr val="FFFFFF"/>
-              </a:solidFill>
-              <a:latin typeface="Lato"/>
-              <a:ea typeface="Lato"/>
-              <a:cs typeface="Lato"/>
-              <a:sym typeface="Lato"/>
-            </a:endParaRPr>
-          </a:p>
-          <a:p>
-            <a:pPr marL="0" lvl="0" indent="0" algn="ctr" rtl="0">
-              <a:spcBef>
-                <a:spcPts val="0"/>
-              </a:spcBef>
-              <a:spcAft>
-                <a:spcPts val="0"/>
-              </a:spcAft>
-              <a:buNone/>
-            </a:pPr>
-            <a:endParaRPr u="sng">
-              <a:solidFill>
-                <a:srgbClr val="FFFFFF"/>
-              </a:solidFill>
-              <a:latin typeface="Lato"/>
-              <a:ea typeface="Lato"/>
-              <a:cs typeface="Lato"/>
-              <a:sym typeface="Lato"/>
-            </a:endParaRPr>
-          </a:p>
-          <a:p>
-            <a:pPr marL="0" lvl="0" indent="0" algn="ctr" rtl="0">
-              <a:spcBef>
-                <a:spcPts val="0"/>
-              </a:spcBef>
-              <a:spcAft>
-                <a:spcPts val="0"/>
-              </a:spcAft>
-              <a:buNone/>
-            </a:pPr>
-            <a:r>
-              <a:rPr lang="en" sz="1800">
-                <a:solidFill>
-                  <a:srgbClr val="FFFFFF"/>
-                </a:solidFill>
-                <a:latin typeface="Lato"/>
-                <a:ea typeface="Lato"/>
-                <a:cs typeface="Lato"/>
-                <a:sym typeface="Lato"/>
-              </a:rPr>
-              <a:t>Completed HTML </a:t>
-            </a:r>
-            <a:endParaRPr sz="1800">
-              <a:solidFill>
-                <a:srgbClr val="FFFFFF"/>
-              </a:solidFill>
-              <a:latin typeface="Lato"/>
-              <a:ea typeface="Lato"/>
-              <a:cs typeface="Lato"/>
-              <a:sym typeface="Lato"/>
-            </a:endParaRPr>
-          </a:p>
-          <a:p>
-            <a:pPr marL="0" lvl="0" indent="0" algn="ctr" rtl="0">
-              <a:spcBef>
-                <a:spcPts val="0"/>
-              </a:spcBef>
-              <a:spcAft>
-                <a:spcPts val="0"/>
-              </a:spcAft>
-              <a:buNone/>
-            </a:pPr>
-            <a:endParaRPr sz="1800">
-              <a:solidFill>
-                <a:srgbClr val="FFFFFF"/>
-              </a:solidFill>
-              <a:latin typeface="Lato"/>
-              <a:ea typeface="Lato"/>
-              <a:cs typeface="Lato"/>
-              <a:sym typeface="Lato"/>
-            </a:endParaRPr>
-          </a:p>
-          <a:p>
-            <a:pPr marL="0" lvl="0" indent="0" algn="ctr" rtl="0">
-              <a:spcBef>
-                <a:spcPts val="0"/>
-              </a:spcBef>
-              <a:spcAft>
-                <a:spcPts val="0"/>
-              </a:spcAft>
-              <a:buNone/>
-            </a:pPr>
-            <a:r>
-              <a:rPr lang="en" sz="1800">
-                <a:solidFill>
-                  <a:srgbClr val="FFFFFF"/>
-                </a:solidFill>
-                <a:latin typeface="Lato"/>
-                <a:ea typeface="Lato"/>
-                <a:cs typeface="Lato"/>
-                <a:sym typeface="Lato"/>
-              </a:rPr>
-              <a:t>Working on visuals in CSS</a:t>
-            </a:r>
-            <a:endParaRPr sz="1800">
-              <a:solidFill>
-                <a:srgbClr val="FFFFFF"/>
-              </a:solidFill>
-              <a:latin typeface="Lato"/>
-              <a:ea typeface="Lato"/>
-              <a:cs typeface="Lato"/>
-              <a:sym typeface="Lato"/>
-            </a:endParaRPr>
-          </a:p>
-          <a:p>
-            <a:pPr marL="0" lvl="0" indent="0" algn="ctr" rtl="0">
-              <a:spcBef>
-                <a:spcPts val="0"/>
-              </a:spcBef>
-              <a:spcAft>
-                <a:spcPts val="0"/>
-              </a:spcAft>
-              <a:buNone/>
-            </a:pPr>
-            <a:endParaRPr sz="1800">
-              <a:solidFill>
-                <a:srgbClr val="FFFFFF"/>
-              </a:solidFill>
-              <a:latin typeface="Lato"/>
-              <a:ea typeface="Lato"/>
-              <a:cs typeface="Lato"/>
-              <a:sym typeface="Lato"/>
-            </a:endParaRPr>
-          </a:p>
-          <a:p>
-            <a:pPr marL="0" lvl="0" indent="0" algn="ctr" rtl="0">
-              <a:spcBef>
-                <a:spcPts val="0"/>
-              </a:spcBef>
-              <a:spcAft>
-                <a:spcPts val="0"/>
-              </a:spcAft>
-              <a:buNone/>
-            </a:pPr>
-            <a:r>
-              <a:rPr lang="en" sz="1800">
-                <a:solidFill>
-                  <a:srgbClr val="FFFFFF"/>
-                </a:solidFill>
-                <a:latin typeface="Lato"/>
-                <a:ea typeface="Lato"/>
-                <a:cs typeface="Lato"/>
-                <a:sym typeface="Lato"/>
-              </a:rPr>
-              <a:t>Working on slide out shop menu</a:t>
-            </a:r>
-            <a:endParaRPr sz="1800">
-              <a:solidFill>
-                <a:srgbClr val="FFFFFF"/>
-              </a:solidFill>
-              <a:latin typeface="Lato"/>
-              <a:ea typeface="Lato"/>
-              <a:cs typeface="Lato"/>
-              <a:sym typeface="Lato"/>
-            </a:endParaRPr>
-          </a:p>
-        </p:txBody>
-      </p:sp>
-      <p:sp>
-        <p:nvSpPr>
-          <p:cNvPr id="141" name="Google Shape;141;p14"/>
-          <p:cNvSpPr txBox="1"/>
-          <p:nvPr/>
-        </p:nvSpPr>
-        <p:spPr>
-          <a:xfrm>
-            <a:off x="1535300" y="1086550"/>
-            <a:ext cx="2688300" cy="3880500"/>
-          </a:xfrm>
-          <a:prstGeom prst="rect">
-            <a:avLst/>
-          </a:prstGeom>
-          <a:noFill/>
-          <a:ln w="9525" cap="flat" cmpd="sng">
-            <a:solidFill>
-              <a:srgbClr val="FFFFFF"/>
-            </a:solidFill>
-            <a:prstDash val="solid"/>
-            <a:round/>
-            <a:headEnd type="none" w="sm" len="sm"/>
-            <a:tailEnd type="none" w="sm" len="sm"/>
-          </a:ln>
-        </p:spPr>
-        <p:txBody>
-          <a:bodyPr spcFirstLastPara="1" wrap="square" lIns="91425" tIns="91425" rIns="91425" bIns="91425" anchor="t" anchorCtr="0">
-            <a:noAutofit/>
-          </a:bodyPr>
-          <a:lstStyle/>
-          <a:p>
-            <a:pPr marL="0" lvl="0" indent="0" algn="ctr" rtl="0">
-              <a:spcBef>
-                <a:spcPts val="0"/>
-              </a:spcBef>
-              <a:spcAft>
-                <a:spcPts val="0"/>
-              </a:spcAft>
-              <a:buNone/>
-            </a:pPr>
-            <a:r>
-              <a:rPr lang="en" u="sng">
-                <a:solidFill>
-                  <a:srgbClr val="FFFFFF"/>
-                </a:solidFill>
-                <a:latin typeface="Lato"/>
-                <a:ea typeface="Lato"/>
-                <a:cs typeface="Lato"/>
-                <a:sym typeface="Lato"/>
-              </a:rPr>
-              <a:t>Kevin and Lawrence</a:t>
-            </a:r>
-            <a:endParaRPr u="sng">
-              <a:solidFill>
-                <a:srgbClr val="FFFFFF"/>
-              </a:solidFill>
-              <a:latin typeface="Lato"/>
-              <a:ea typeface="Lato"/>
-              <a:cs typeface="Lato"/>
-              <a:sym typeface="Lato"/>
-            </a:endParaRPr>
-          </a:p>
-          <a:p>
-            <a:pPr marL="0" lvl="0" indent="0" algn="ctr" rtl="0">
-              <a:spcBef>
-                <a:spcPts val="0"/>
-              </a:spcBef>
-              <a:spcAft>
-                <a:spcPts val="0"/>
-              </a:spcAft>
-              <a:buNone/>
-            </a:pPr>
-            <a:endParaRPr u="sng">
-              <a:solidFill>
-                <a:srgbClr val="FFFFFF"/>
-              </a:solidFill>
-              <a:latin typeface="Lato"/>
-              <a:ea typeface="Lato"/>
-              <a:cs typeface="Lato"/>
-              <a:sym typeface="Lato"/>
-            </a:endParaRPr>
-          </a:p>
-          <a:p>
-            <a:pPr marL="0" lvl="0" indent="0" algn="ctr" rtl="0">
-              <a:spcBef>
-                <a:spcPts val="0"/>
-              </a:spcBef>
-              <a:spcAft>
-                <a:spcPts val="0"/>
-              </a:spcAft>
-              <a:buNone/>
-            </a:pPr>
-            <a:r>
-              <a:rPr lang="en" sz="1800">
-                <a:solidFill>
-                  <a:srgbClr val="FFFFFF"/>
-                </a:solidFill>
-                <a:latin typeface="Lato"/>
-                <a:ea typeface="Lato"/>
-                <a:cs typeface="Lato"/>
-                <a:sym typeface="Lato"/>
-              </a:rPr>
-              <a:t>Finished creating the login page</a:t>
-            </a:r>
-            <a:endParaRPr sz="1800">
-              <a:solidFill>
-                <a:srgbClr val="FFFFFF"/>
-              </a:solidFill>
-              <a:latin typeface="Lato"/>
-              <a:ea typeface="Lato"/>
-              <a:cs typeface="Lato"/>
-              <a:sym typeface="Lato"/>
-            </a:endParaRPr>
-          </a:p>
-          <a:p>
-            <a:pPr marL="0" lvl="0" indent="0" algn="ctr" rtl="0">
-              <a:spcBef>
-                <a:spcPts val="0"/>
-              </a:spcBef>
-              <a:spcAft>
-                <a:spcPts val="0"/>
-              </a:spcAft>
-              <a:buNone/>
-            </a:pPr>
-            <a:endParaRPr sz="1800">
-              <a:solidFill>
-                <a:srgbClr val="FFFFFF"/>
-              </a:solidFill>
-              <a:latin typeface="Lato"/>
-              <a:ea typeface="Lato"/>
-              <a:cs typeface="Lato"/>
-              <a:sym typeface="Lato"/>
-            </a:endParaRPr>
-          </a:p>
-          <a:p>
-            <a:pPr marL="0" lvl="0" indent="0" algn="ctr" rtl="0">
-              <a:spcBef>
-                <a:spcPts val="0"/>
-              </a:spcBef>
-              <a:spcAft>
-                <a:spcPts val="0"/>
-              </a:spcAft>
-              <a:buNone/>
-            </a:pPr>
-            <a:r>
-              <a:rPr lang="en" sz="1800">
-                <a:solidFill>
-                  <a:srgbClr val="FFFFFF"/>
-                </a:solidFill>
-                <a:latin typeface="Lato"/>
-                <a:ea typeface="Lato"/>
-                <a:cs typeface="Lato"/>
-                <a:sym typeface="Lato"/>
-              </a:rPr>
-              <a:t>Began working on linking login page to game page</a:t>
-            </a:r>
-            <a:endParaRPr sz="1800">
-              <a:solidFill>
-                <a:srgbClr val="FFFFFF"/>
-              </a:solidFill>
-              <a:latin typeface="Lato"/>
-              <a:ea typeface="Lato"/>
-              <a:cs typeface="Lato"/>
-              <a:sym typeface="Lato"/>
-            </a:endParaRPr>
-          </a:p>
-          <a:p>
-            <a:pPr marL="0" lvl="0" indent="0" algn="ctr" rtl="0">
-              <a:spcBef>
-                <a:spcPts val="0"/>
-              </a:spcBef>
-              <a:spcAft>
-                <a:spcPts val="0"/>
-              </a:spcAft>
-              <a:buNone/>
-            </a:pPr>
-            <a:endParaRPr sz="1800">
-              <a:solidFill>
-                <a:srgbClr val="FFFFFF"/>
-              </a:solidFill>
-              <a:latin typeface="Lato"/>
-              <a:ea typeface="Lato"/>
-              <a:cs typeface="Lato"/>
-              <a:sym typeface="Lato"/>
-            </a:endParaRPr>
-          </a:p>
-          <a:p>
-            <a:pPr marL="0" lvl="0" indent="0" algn="ctr" rtl="0">
-              <a:spcBef>
-                <a:spcPts val="0"/>
-              </a:spcBef>
-              <a:spcAft>
-                <a:spcPts val="0"/>
-              </a:spcAft>
-              <a:buNone/>
-            </a:pPr>
-            <a:r>
-              <a:rPr lang="en" sz="1800">
-                <a:solidFill>
-                  <a:srgbClr val="FFFFFF"/>
-                </a:solidFill>
-                <a:latin typeface="Lato"/>
-                <a:ea typeface="Lato"/>
-                <a:cs typeface="Lato"/>
-                <a:sym typeface="Lato"/>
-              </a:rPr>
-              <a:t>Cleaned up HTML to make more readable and less messy</a:t>
-            </a:r>
-            <a:endParaRPr sz="1800">
-              <a:solidFill>
-                <a:srgbClr val="FFFFFF"/>
-              </a:solidFill>
-              <a:latin typeface="Lato"/>
-              <a:ea typeface="Lato"/>
-              <a:cs typeface="Lato"/>
-              <a:sym typeface="Lato"/>
-            </a:endParaRPr>
-          </a:p>
-        </p:txBody>
-      </p:sp>
-    </p:spTree>
-  </p:cSld>
-  <p:clrMapOvr>
-    <a:masterClrMapping/>
-  </p:clrMapOvr>
-</p:sld>
-</file>
-
-<file path=ppt/slides/slide3.xml><?xml version="1.0" encoding="utf-8"?>
-<p:sld xmlns:a="http://schemas.openxmlformats.org/drawingml/2006/main" xmlns:r="http://schemas.openxmlformats.org/officeDocument/2006/relationships" xmlns:p="http://schemas.openxmlformats.org/presentationml/2006/main">
-  <p:cSld>
-    <p:spTree>
-      <p:nvGrpSpPr>
-        <p:cNvPr id="1" name="Shape 138"/>
-        <p:cNvGrpSpPr/>
-        <p:nvPr/>
-      </p:nvGrpSpPr>
-      <p:grpSpPr>
-        <a:xfrm>
-          <a:off x="0" y="0"/>
-          <a:ext cx="0" cy="0"/>
-          <a:chOff x="0" y="0"/>
-          <a:chExt cx="0" cy="0"/>
-        </a:xfrm>
-      </p:grpSpPr>
-      <p:sp>
-        <p:nvSpPr>
-          <p:cNvPr id="139" name="Google Shape;139;p14"/>
-          <p:cNvSpPr txBox="1"/>
-          <p:nvPr/>
-        </p:nvSpPr>
-        <p:spPr>
-          <a:xfrm>
             <a:off x="2518970" y="469138"/>
             <a:ext cx="4064100" cy="474000"/>
           </a:xfrm>
@@ -10023,7 +9396,50 @@
                 <a:cs typeface="Lato"/>
                 <a:sym typeface="Lato"/>
               </a:rPr>
-              <a:t>Almost completed slide out shop menu</a:t>
+              <a:t>Completed shop sidebar</a:t>
+            </a:r>
+          </a:p>
+          <a:p>
+            <a:pPr marL="0" lvl="0" indent="0" algn="ctr" rtl="0">
+              <a:spcBef>
+                <a:spcPts val="0"/>
+              </a:spcBef>
+              <a:spcAft>
+                <a:spcPts val="0"/>
+              </a:spcAft>
+              <a:buNone/>
+            </a:pPr>
+            <a:endParaRPr lang="en-US" sz="1800" dirty="0">
+              <a:solidFill>
+                <a:srgbClr val="FFFFFF"/>
+              </a:solidFill>
+              <a:latin typeface="Lato"/>
+              <a:ea typeface="Lato"/>
+              <a:cs typeface="Lato"/>
+              <a:sym typeface="Lato"/>
+            </a:endParaRPr>
+          </a:p>
+          <a:p>
+            <a:pPr marL="0" lvl="0" indent="0" algn="ctr" rtl="0">
+              <a:spcBef>
+                <a:spcPts val="0"/>
+              </a:spcBef>
+              <a:spcAft>
+                <a:spcPts val="0"/>
+              </a:spcAft>
+              <a:buNone/>
+            </a:pPr>
+            <a:r>
+              <a:rPr lang="en-US" sz="1800" dirty="0">
+                <a:solidFill>
+                  <a:srgbClr val="FFFFFF"/>
+                </a:solidFill>
+                <a:latin typeface="Lato"/>
+                <a:ea typeface="Lato"/>
+                <a:cs typeface="Lato"/>
+                <a:sym typeface="Lato"/>
+              </a:rPr>
+              <a:t>Begun implementing the animations to make page more visually interesting </a:t>
             </a:r>
             <a:endParaRPr sz="1800" dirty="0">
               <a:solidFill>
@@ -10109,7 +9525,7 @@
               </a:spcAft>
               <a:buNone/>
             </a:pPr>
-            <a:endParaRPr u="sng" dirty="0">
+            <a:endParaRPr lang="en-US" u="sng" dirty="0">
               <a:solidFill>
                 <a:srgbClr val="FFFFFF"/>
               </a:solidFill>
@@ -10139,7 +9555,7 @@
                 <a:cs typeface="Lato"/>
                 <a:sym typeface="Lato"/>
               </a:rPr>
-              <a:t>Linked Login Page and Game Page</a:t>
+              <a:t>Begun working on datastore</a:t>
             </a:r>
           </a:p>
           <a:p>
@@ -10290,6 +9706,66 @@
     <p:extLst>
       <p:ext uri="{BB962C8B-B14F-4D97-AF65-F5344CB8AC3E}">
         <p14:creationId xmlns:p14="http://schemas.microsoft.com/office/powerpoint/2010/main" val="2207426937"/>
+      </p:ext>
+    </p:extLst>
+  </p:cSld>
+  <p:clrMapOvr>
+    <a:masterClrMapping/>
+  </p:clrMapOvr>
+</p:sld>
+</file>
+
+<file path=ppt/slides/slide3.xml><?xml version="1.0" encoding="utf-8"?>
+<p:sld xmlns:a="http://schemas.openxmlformats.org/drawingml/2006/main" xmlns:r="http://schemas.openxmlformats.org/officeDocument/2006/relationships" xmlns:p="http://schemas.openxmlformats.org/presentationml/2006/main">
+  <p:cSld>
+    <p:spTree>
+      <p:nvGrpSpPr>
+        <p:cNvPr id="1" name=""/>
+        <p:cNvGrpSpPr/>
+        <p:nvPr/>
+      </p:nvGrpSpPr>
+      <p:grpSpPr>
+        <a:xfrm>
+          <a:off x="0" y="0"/>
+          <a:ext cx="0" cy="0"/>
+          <a:chOff x="0" y="0"/>
+          <a:chExt cx="0" cy="0"/>
+        </a:xfrm>
+      </p:grpSpPr>
+      <p:pic>
+        <p:nvPicPr>
+          <p:cNvPr id="4" name="Picture 3">
+            <a:extLst>
+              <a:ext uri="{FF2B5EF4-FFF2-40B4-BE49-F238E27FC236}">
+                <a16:creationId xmlns:a16="http://schemas.microsoft.com/office/drawing/2014/main" id="{442D9781-9045-4F75-BE3E-2D982E2B0DF6}"/>
+              </a:ext>
+            </a:extLst>
+          </p:cNvPr>
+          <p:cNvPicPr>
+            <a:picLocks noChangeAspect="1"/>
+          </p:cNvPicPr>
+          <p:nvPr/>
+        </p:nvPicPr>
+        <p:blipFill>
+          <a:blip r:embed="rId2"/>
+          <a:stretch>
+            <a:fillRect/>
+          </a:stretch>
+        </p:blipFill>
+        <p:spPr>
+          <a:xfrm>
+            <a:off x="1055615" y="485865"/>
+            <a:ext cx="7032769" cy="4395481"/>
+          </a:xfrm>
+          <a:prstGeom prst="rect">
+            <a:avLst/>
+          </a:prstGeom>
+        </p:spPr>
+      </p:pic>
+    </p:spTree>
+    <p:extLst>
+      <p:ext uri="{BB962C8B-B14F-4D97-AF65-F5344CB8AC3E}">
+        <p14:creationId xmlns:p14="http://schemas.microsoft.com/office/powerpoint/2010/main" val="1676246332"/>
       </p:ext>
     </p:extLst>
   </p:cSld>

--- a/Documentation/Day3Progress.pptx
+++ b/Documentation/Day3Progress.pptx
@@ -9344,58 +9344,6 @@
                 <a:cs typeface="Lato"/>
                 <a:sym typeface="Lato"/>
               </a:rPr>
-              <a:t>Finished Visuals in CSS</a:t>
-            </a:r>
-            <a:endParaRPr sz="1800" dirty="0">
-              <a:solidFill>
-                <a:srgbClr val="FFFFFF"/>
-              </a:solidFill>
-              <a:latin typeface="Lato"/>
-              <a:ea typeface="Lato"/>
-              <a:cs typeface="Lato"/>
-              <a:sym typeface="Lato"/>
-            </a:endParaRPr>
-          </a:p>
-          <a:p>
-            <a:pPr marL="0" lvl="0" indent="0" algn="ctr" rtl="0">
-              <a:spcBef>
-                <a:spcPts val="0"/>
-              </a:spcBef>
-              <a:spcAft>
-                <a:spcPts val="0"/>
-              </a:spcAft>
-              <a:buNone/>
-            </a:pPr>
-            <a:endParaRPr sz="1800" dirty="0">
-              <a:solidFill>
-                <a:srgbClr val="FFFFFF"/>
-              </a:solidFill>
-              <a:latin typeface="Lato"/>
-              <a:ea typeface="Lato"/>
-              <a:cs typeface="Lato"/>
-              <a:sym typeface="Lato"/>
-            </a:endParaRPr>
-          </a:p>
-          <a:p>
-            <a:pPr marL="0" lvl="0" indent="0" algn="ctr" rtl="0">
-              <a:spcBef>
-                <a:spcPts val="0"/>
-              </a:spcBef>
-              <a:spcAft>
-                <a:spcPts val="0"/>
-              </a:spcAft>
-              <a:buNone/>
-            </a:pPr>
-            <a:r>
-              <a:rPr lang="en-US" sz="1800" dirty="0">
-                <a:solidFill>
-                  <a:srgbClr val="FFFFFF"/>
-                </a:solidFill>
-                <a:latin typeface="Lato"/>
-                <a:ea typeface="Lato"/>
-                <a:cs typeface="Lato"/>
-                <a:sym typeface="Lato"/>
-              </a:rPr>
               <a:t>Completed shop sidebar</a:t>
             </a:r>
           </a:p>
@@ -9439,9 +9387,20 @@
                 <a:cs typeface="Lato"/>
                 <a:sym typeface="Lato"/>
               </a:rPr>
-              <a:t>Begun implementing the animations to make page more visually interesting </a:t>
+              <a:t>Began designing a new page for purchasing certain upgrades</a:t>
             </a:r>
-            <a:endParaRPr sz="1800" dirty="0">
+          </a:p>
+          <a:p>
+            <a:pPr marL="0" lvl="0" indent="0" algn="ctr" rtl="0">
+              <a:spcBef>
+                <a:spcPts val="0"/>
+              </a:spcBef>
+              <a:spcAft>
+                <a:spcPts val="0"/>
+              </a:spcAft>
+              <a:buNone/>
+            </a:pPr>
+            <a:endParaRPr lang="en-US" sz="1800" dirty="0">
               <a:solidFill>
                 <a:srgbClr val="FFFFFF"/>
               </a:solidFill>
@@ -9525,7 +9484,7 @@
               </a:spcAft>
               <a:buNone/>
             </a:pPr>
-            <a:endParaRPr lang="en-US" u="sng" dirty="0">
+            <a:endParaRPr lang="en-US" sz="1800" dirty="0">
               <a:solidFill>
                 <a:srgbClr val="FFFFFF"/>
               </a:solidFill>
@@ -9555,7 +9514,7 @@
                 <a:cs typeface="Lato"/>
                 <a:sym typeface="Lato"/>
               </a:rPr>
-              <a:t>Begun working on datastore</a:t>
+              <a:t>Rewriting JavaScript to balance game and be more efficient</a:t>
             </a:r>
           </a:p>
           <a:p>
@@ -9598,7 +9557,31 @@
                 <a:cs typeface="Lato"/>
                 <a:sym typeface="Lato"/>
               </a:rPr>
-              <a:t>Rewriting JavaScript to balance game and be more efficient</a:t>
+              <a:t>Now working on using </a:t>
+            </a:r>
+            <a:r>
+              <a:rPr lang="en-US" sz="1800" dirty="0" err="1">
+                <a:solidFill>
+                  <a:srgbClr val="FFFFFF"/>
+                </a:solidFill>
+                <a:latin typeface="Lato"/>
+                <a:ea typeface="Lato"/>
+                <a:cs typeface="Lato"/>
+                <a:sym typeface="Lato"/>
+              </a:rPr>
+              <a:t>javascript</a:t>
+            </a:r>
+            <a:r>
+              <a:rPr lang="en-US" sz="1800" dirty="0">
+                <a:solidFill>
+                  <a:srgbClr val="FFFFFF"/>
+                </a:solidFill>
+                <a:latin typeface="Lato"/>
+                <a:ea typeface="Lato"/>
+                <a:cs typeface="Lato"/>
+                <a:sym typeface="Lato"/>
+              </a:rPr>
+              <a:t> to create visual effects like loading bars</a:t>
             </a:r>
             <a:endParaRPr sz="1800" dirty="0">
               <a:solidFill>

--- a/Documentation/Day3Progress.pptx
+++ b/Documentation/Day3Progress.pptx
@@ -9228,7 +9228,7 @@
                 <a:cs typeface="Spectral"/>
                 <a:sym typeface="Spectral"/>
               </a:rPr>
-              <a:t>Session 1</a:t>
+              <a:t>Session 2</a:t>
             </a:r>
             <a:endParaRPr sz="3000" dirty="0">
               <a:solidFill>
@@ -9595,96 +9595,6 @@
           </a:p>
         </p:txBody>
       </p:sp>
-      <p:pic>
-        <p:nvPicPr>
-          <p:cNvPr id="2" name="Picture 1">
-            <a:extLst>
-              <a:ext uri="{FF2B5EF4-FFF2-40B4-BE49-F238E27FC236}">
-                <a16:creationId xmlns:a16="http://schemas.microsoft.com/office/drawing/2014/main" id="{45A900F1-B9F0-4683-8CAA-4E31CE0E384D}"/>
-              </a:ext>
-            </a:extLst>
-          </p:cNvPr>
-          <p:cNvPicPr>
-            <a:picLocks noChangeAspect="1"/>
-          </p:cNvPicPr>
-          <p:nvPr/>
-        </p:nvPicPr>
-        <p:blipFill>
-          <a:blip r:embed="rId3"/>
-          <a:stretch>
-            <a:fillRect/>
-          </a:stretch>
-        </p:blipFill>
-        <p:spPr>
-          <a:xfrm>
-            <a:off x="453239" y="1416322"/>
-            <a:ext cx="1372670" cy="3554777"/>
-          </a:xfrm>
-          <a:prstGeom prst="rect">
-            <a:avLst/>
-          </a:prstGeom>
-        </p:spPr>
-      </p:pic>
-      <p:pic>
-        <p:nvPicPr>
-          <p:cNvPr id="3" name="Picture 2">
-            <a:extLst>
-              <a:ext uri="{FF2B5EF4-FFF2-40B4-BE49-F238E27FC236}">
-                <a16:creationId xmlns:a16="http://schemas.microsoft.com/office/drawing/2014/main" id="{ADC2A715-B110-4795-838B-3A69FAA74BEB}"/>
-              </a:ext>
-            </a:extLst>
-          </p:cNvPr>
-          <p:cNvPicPr>
-            <a:picLocks noChangeAspect="1"/>
-          </p:cNvPicPr>
-          <p:nvPr/>
-        </p:nvPicPr>
-        <p:blipFill>
-          <a:blip r:embed="rId4"/>
-          <a:stretch>
-            <a:fillRect/>
-          </a:stretch>
-        </p:blipFill>
-        <p:spPr>
-          <a:xfrm>
-            <a:off x="8241423" y="1418282"/>
-            <a:ext cx="902577" cy="3548768"/>
-          </a:xfrm>
-          <a:prstGeom prst="rect">
-            <a:avLst/>
-          </a:prstGeom>
-        </p:spPr>
-      </p:pic>
-      <p:pic>
-        <p:nvPicPr>
-          <p:cNvPr id="4" name="Picture 3">
-            <a:extLst>
-              <a:ext uri="{FF2B5EF4-FFF2-40B4-BE49-F238E27FC236}">
-                <a16:creationId xmlns:a16="http://schemas.microsoft.com/office/drawing/2014/main" id="{FA2622D4-AA12-4140-8351-6219B5E6A013}"/>
-              </a:ext>
-            </a:extLst>
-          </p:cNvPr>
-          <p:cNvPicPr>
-            <a:picLocks noChangeAspect="1"/>
-          </p:cNvPicPr>
-          <p:nvPr/>
-        </p:nvPicPr>
-        <p:blipFill>
-          <a:blip r:embed="rId5"/>
-          <a:stretch>
-            <a:fillRect/>
-          </a:stretch>
-        </p:blipFill>
-        <p:spPr>
-          <a:xfrm>
-            <a:off x="7281280" y="1416322"/>
-            <a:ext cx="954994" cy="3550728"/>
-          </a:xfrm>
-          <a:prstGeom prst="rect">
-            <a:avLst/>
-          </a:prstGeom>
-        </p:spPr>
-      </p:pic>
     </p:spTree>
     <p:extLst>
       <p:ext uri="{BB962C8B-B14F-4D97-AF65-F5344CB8AC3E}">
